--- a/2. Machine Learning/1. Regresión/Slides/2_Regresión_lineal_múltiple.pptx
+++ b/2. Machine Learning/1. Regresión/Slides/2_Regresión_lineal_múltiple.pptx
@@ -397,7 +397,7 @@
           <a:p>
             <a:fld id="{4AAD347D-5ACD-4C99-B74B-A9C85AD731AF}" type="datetimeFigureOut">
               <a:rPr lang="en-US" smtClean="0"/>
-              <a:t>10/22/2019</a:t>
+              <a:t>10/29/2019</a:t>
             </a:fld>
             <a:endParaRPr lang="en-US" dirty="0"/>
           </a:p>
@@ -444,7 +444,7 @@
           <a:p>
             <a:fld id="{D57F1E4F-1CFF-5643-939E-02111984F565}" type="slidenum">
               <a:rPr lang="en-US" smtClean="0"/>
-              <a:t>‹Nº›</a:t>
+              <a:t>‹#›</a:t>
             </a:fld>
             <a:endParaRPr lang="en-US" dirty="0"/>
           </a:p>
@@ -811,7 +811,7 @@
           <a:p>
             <a:fld id="{4509A250-FF31-4206-8172-F9D3106AACB1}" type="datetimeFigureOut">
               <a:rPr lang="en-US" smtClean="0"/>
-              <a:t>10/22/2019</a:t>
+              <a:t>10/29/2019</a:t>
             </a:fld>
             <a:endParaRPr lang="en-US" dirty="0"/>
           </a:p>
@@ -858,7 +858,7 @@
           <a:p>
             <a:fld id="{D57F1E4F-1CFF-5643-939E-02111984F565}" type="slidenum">
               <a:rPr lang="en-US" smtClean="0"/>
-              <a:t>‹Nº›</a:t>
+              <a:t>‹#›</a:t>
             </a:fld>
             <a:endParaRPr lang="en-US" dirty="0"/>
           </a:p>
@@ -1147,7 +1147,7 @@
           <a:p>
             <a:fld id="{4509A250-FF31-4206-8172-F9D3106AACB1}" type="datetimeFigureOut">
               <a:rPr lang="en-US" smtClean="0"/>
-              <a:t>10/22/2019</a:t>
+              <a:t>10/29/2019</a:t>
             </a:fld>
             <a:endParaRPr lang="en-US" dirty="0"/>
           </a:p>
@@ -1194,7 +1194,7 @@
           <a:p>
             <a:fld id="{D57F1E4F-1CFF-5643-939E-02111984F565}" type="slidenum">
               <a:rPr lang="en-US" smtClean="0"/>
-              <a:t>‹Nº›</a:t>
+              <a:t>‹#›</a:t>
             </a:fld>
             <a:endParaRPr lang="en-US" dirty="0"/>
           </a:p>
@@ -1552,7 +1552,7 @@
           <a:p>
             <a:fld id="{4AAD347D-5ACD-4C99-B74B-A9C85AD731AF}" type="datetimeFigureOut">
               <a:rPr lang="en-US" smtClean="0"/>
-              <a:t>10/22/2019</a:t>
+              <a:t>10/29/2019</a:t>
             </a:fld>
             <a:endParaRPr lang="en-US" dirty="0"/>
           </a:p>
@@ -1599,7 +1599,7 @@
           <a:p>
             <a:fld id="{D57F1E4F-1CFF-5643-939E-02111984F565}" type="slidenum">
               <a:rPr lang="en-US" smtClean="0"/>
-              <a:t>‹Nº›</a:t>
+              <a:t>‹#›</a:t>
             </a:fld>
             <a:endParaRPr lang="en-US" dirty="0"/>
           </a:p>
@@ -2121,7 +2121,7 @@
           <a:p>
             <a:fld id="{4AAD347D-5ACD-4C99-B74B-A9C85AD731AF}" type="datetimeFigureOut">
               <a:rPr lang="en-US" smtClean="0"/>
-              <a:t>10/22/2019</a:t>
+              <a:t>10/29/2019</a:t>
             </a:fld>
             <a:endParaRPr lang="en-US" dirty="0"/>
           </a:p>
@@ -2168,7 +2168,7 @@
           <a:p>
             <a:fld id="{D57F1E4F-1CFF-5643-939E-02111984F565}" type="slidenum">
               <a:rPr lang="en-US" smtClean="0"/>
-              <a:t>‹Nº›</a:t>
+              <a:t>‹#›</a:t>
             </a:fld>
             <a:endParaRPr lang="en-US" dirty="0"/>
           </a:p>
@@ -2803,7 +2803,7 @@
           <a:p>
             <a:fld id="{4509A250-FF31-4206-8172-F9D3106AACB1}" type="datetimeFigureOut">
               <a:rPr lang="en-US" smtClean="0"/>
-              <a:t>10/22/2019</a:t>
+              <a:t>10/29/2019</a:t>
             </a:fld>
             <a:endParaRPr lang="en-US" dirty="0"/>
           </a:p>
@@ -2845,7 +2845,7 @@
           <a:p>
             <a:fld id="{D57F1E4F-1CFF-5643-939E-02111984F565}" type="slidenum">
               <a:rPr lang="en-US" smtClean="0"/>
-              <a:t>‹Nº›</a:t>
+              <a:t>‹#›</a:t>
             </a:fld>
             <a:endParaRPr lang="en-US" dirty="0"/>
           </a:p>
@@ -3716,7 +3716,7 @@
           <a:p>
             <a:fld id="{4509A250-FF31-4206-8172-F9D3106AACB1}" type="datetimeFigureOut">
               <a:rPr lang="en-US" smtClean="0"/>
-              <a:t>10/22/2019</a:t>
+              <a:t>10/29/2019</a:t>
             </a:fld>
             <a:endParaRPr lang="en-US" dirty="0"/>
           </a:p>
@@ -3758,7 +3758,7 @@
           <a:p>
             <a:fld id="{D57F1E4F-1CFF-5643-939E-02111984F565}" type="slidenum">
               <a:rPr lang="en-US" smtClean="0"/>
-              <a:t>‹Nº›</a:t>
+              <a:t>‹#›</a:t>
             </a:fld>
             <a:endParaRPr lang="en-US" dirty="0"/>
           </a:p>
@@ -4029,7 +4029,7 @@
           <a:p>
             <a:fld id="{4509A250-FF31-4206-8172-F9D3106AACB1}" type="datetimeFigureOut">
               <a:rPr lang="en-US" smtClean="0"/>
-              <a:t>10/22/2019</a:t>
+              <a:t>10/29/2019</a:t>
             </a:fld>
             <a:endParaRPr lang="en-US" dirty="0"/>
           </a:p>
@@ -4071,7 +4071,7 @@
           <a:p>
             <a:fld id="{D57F1E4F-1CFF-5643-939E-02111984F565}" type="slidenum">
               <a:rPr lang="en-US" smtClean="0"/>
-              <a:t>‹Nº›</a:t>
+              <a:t>‹#›</a:t>
             </a:fld>
             <a:endParaRPr lang="en-US" dirty="0"/>
           </a:p>
@@ -4293,7 +4293,7 @@
           <a:p>
             <a:fld id="{4509A250-FF31-4206-8172-F9D3106AACB1}" type="datetimeFigureOut">
               <a:rPr lang="en-US" smtClean="0"/>
-              <a:t>10/22/2019</a:t>
+              <a:t>10/29/2019</a:t>
             </a:fld>
             <a:endParaRPr lang="en-US" dirty="0"/>
           </a:p>
@@ -4349,7 +4349,7 @@
           <a:p>
             <a:fld id="{D57F1E4F-1CFF-5643-939E-02111984F565}" type="slidenum">
               <a:rPr lang="en-US" smtClean="0"/>
-              <a:t>‹Nº›</a:t>
+              <a:t>‹#›</a:t>
             </a:fld>
             <a:endParaRPr lang="en-US" dirty="0"/>
           </a:p>
@@ -4616,7 +4616,7 @@
           <a:p>
             <a:fld id="{4509A250-FF31-4206-8172-F9D3106AACB1}" type="datetimeFigureOut">
               <a:rPr lang="en-US" smtClean="0"/>
-              <a:t>10/22/2019</a:t>
+              <a:t>10/29/2019</a:t>
             </a:fld>
             <a:endParaRPr lang="en-US" dirty="0"/>
           </a:p>
@@ -4658,7 +4658,7 @@
           <a:p>
             <a:fld id="{D57F1E4F-1CFF-5643-939E-02111984F565}" type="slidenum">
               <a:rPr lang="en-US" smtClean="0"/>
-              <a:t>‹Nº›</a:t>
+              <a:t>‹#›</a:t>
             </a:fld>
             <a:endParaRPr lang="en-US" dirty="0"/>
           </a:p>
@@ -5005,7 +5005,7 @@
           <a:p>
             <a:fld id="{9796027F-7875-4030-9381-8BD8C4F21935}" type="datetimeFigureOut">
               <a:rPr lang="en-US" smtClean="0"/>
-              <a:t>10/22/2019</a:t>
+              <a:t>10/29/2019</a:t>
             </a:fld>
             <a:endParaRPr lang="en-US" dirty="0"/>
           </a:p>
@@ -5052,7 +5052,7 @@
           <a:p>
             <a:fld id="{D57F1E4F-1CFF-5643-939E-02111984F565}" type="slidenum">
               <a:rPr lang="en-US" smtClean="0"/>
-              <a:t>‹Nº›</a:t>
+              <a:t>‹#›</a:t>
             </a:fld>
             <a:endParaRPr lang="en-US" dirty="0"/>
           </a:p>
@@ -5381,7 +5381,7 @@
           <a:p>
             <a:fld id="{9796027F-7875-4030-9381-8BD8C4F21935}" type="datetimeFigureOut">
               <a:rPr lang="en-US" smtClean="0"/>
-              <a:t>10/22/2019</a:t>
+              <a:t>10/29/2019</a:t>
             </a:fld>
             <a:endParaRPr lang="en-US" dirty="0"/>
           </a:p>
@@ -5423,7 +5423,7 @@
           <a:p>
             <a:fld id="{D57F1E4F-1CFF-5643-939E-02111984F565}" type="slidenum">
               <a:rPr lang="en-US" smtClean="0"/>
-              <a:t>‹Nº›</a:t>
+              <a:t>‹#›</a:t>
             </a:fld>
             <a:endParaRPr lang="en-US" dirty="0"/>
           </a:p>
@@ -5887,7 +5887,7 @@
           <a:p>
             <a:fld id="{9796027F-7875-4030-9381-8BD8C4F21935}" type="datetimeFigureOut">
               <a:rPr lang="en-US" smtClean="0"/>
-              <a:t>10/22/2019</a:t>
+              <a:t>10/29/2019</a:t>
             </a:fld>
             <a:endParaRPr lang="en-US" dirty="0"/>
           </a:p>
@@ -5929,7 +5929,7 @@
           <a:p>
             <a:fld id="{D57F1E4F-1CFF-5643-939E-02111984F565}" type="slidenum">
               <a:rPr lang="en-US" smtClean="0"/>
-              <a:t>‹Nº›</a:t>
+              <a:t>‹#›</a:t>
             </a:fld>
             <a:endParaRPr lang="en-US" dirty="0"/>
           </a:p>
@@ -6144,7 +6144,7 @@
           <a:p>
             <a:fld id="{4509A250-FF31-4206-8172-F9D3106AACB1}" type="datetimeFigureOut">
               <a:rPr lang="en-US" smtClean="0"/>
-              <a:t>10/22/2019</a:t>
+              <a:t>10/29/2019</a:t>
             </a:fld>
             <a:endParaRPr lang="en-US" dirty="0"/>
           </a:p>
@@ -6186,7 +6186,7 @@
           <a:p>
             <a:fld id="{D57F1E4F-1CFF-5643-939E-02111984F565}" type="slidenum">
               <a:rPr lang="en-US" smtClean="0"/>
-              <a:t>‹Nº›</a:t>
+              <a:t>‹#›</a:t>
             </a:fld>
             <a:endParaRPr lang="en-US" dirty="0"/>
           </a:p>
@@ -6307,7 +6307,7 @@
           <a:p>
             <a:fld id="{4509A250-FF31-4206-8172-F9D3106AACB1}" type="datetimeFigureOut">
               <a:rPr lang="en-US" smtClean="0"/>
-              <a:t>10/22/2019</a:t>
+              <a:t>10/29/2019</a:t>
             </a:fld>
             <a:endParaRPr lang="en-US" dirty="0"/>
           </a:p>
@@ -6349,7 +6349,7 @@
           <a:p>
             <a:fld id="{D57F1E4F-1CFF-5643-939E-02111984F565}" type="slidenum">
               <a:rPr lang="en-US" smtClean="0"/>
-              <a:t>‹Nº›</a:t>
+              <a:t>‹#›</a:t>
             </a:fld>
             <a:endParaRPr lang="en-US" dirty="0"/>
           </a:p>
@@ -6697,7 +6697,7 @@
           <a:p>
             <a:fld id="{4509A250-FF31-4206-8172-F9D3106AACB1}" type="datetimeFigureOut">
               <a:rPr lang="en-US" smtClean="0"/>
-              <a:t>10/22/2019</a:t>
+              <a:t>10/29/2019</a:t>
             </a:fld>
             <a:endParaRPr lang="en-US" dirty="0"/>
           </a:p>
@@ -6739,7 +6739,7 @@
           <a:p>
             <a:fld id="{D57F1E4F-1CFF-5643-939E-02111984F565}" type="slidenum">
               <a:rPr lang="en-US" smtClean="0"/>
-              <a:t>‹Nº›</a:t>
+              <a:t>‹#›</a:t>
             </a:fld>
             <a:endParaRPr lang="en-US" dirty="0"/>
           </a:p>
@@ -7106,7 +7106,7 @@
           <a:p>
             <a:fld id="{4509A250-FF31-4206-8172-F9D3106AACB1}" type="datetimeFigureOut">
               <a:rPr lang="en-US" smtClean="0"/>
-              <a:t>10/22/2019</a:t>
+              <a:t>10/29/2019</a:t>
             </a:fld>
             <a:endParaRPr lang="en-US" dirty="0"/>
           </a:p>
@@ -7148,7 +7148,7 @@
           <a:p>
             <a:fld id="{D57F1E4F-1CFF-5643-939E-02111984F565}" type="slidenum">
               <a:rPr lang="en-US" smtClean="0"/>
-              <a:t>‹Nº›</a:t>
+              <a:t>‹#›</a:t>
             </a:fld>
             <a:endParaRPr lang="en-US" dirty="0"/>
           </a:p>
@@ -7350,7 +7350,7 @@
           <a:p>
             <a:fld id="{4AAD347D-5ACD-4C99-B74B-A9C85AD731AF}" type="datetimeFigureOut">
               <a:rPr lang="en-US" smtClean="0"/>
-              <a:t>10/22/2019</a:t>
+              <a:t>10/29/2019</a:t>
             </a:fld>
             <a:endParaRPr lang="en-US" dirty="0"/>
           </a:p>
@@ -7428,7 +7428,7 @@
           <a:p>
             <a:fld id="{D57F1E4F-1CFF-5643-939E-02111984F565}" type="slidenum">
               <a:rPr lang="en-US" smtClean="0"/>
-              <a:t>‹Nº›</a:t>
+              <a:t>‹#›</a:t>
             </a:fld>
             <a:endParaRPr lang="en-US" dirty="0"/>
           </a:p>
@@ -10224,7 +10224,7 @@
 <file path=ppt/theme/theme1.xml><?xml version="1.0" encoding="utf-8"?>
 <a:theme xmlns:a="http://schemas.openxmlformats.org/drawingml/2006/main" name="Berlín">
   <a:themeElements>
-    <a:clrScheme name="Azul">
+    <a:clrScheme name="Custom 1">
       <a:dk1>
         <a:sysClr val="windowText" lastClr="000000"/>
       </a:dk1>
